--- a/slides/introHTML/An introduction to HTML.pptx
+++ b/slides/introHTML/An introduction to HTML.pptx
@@ -311,7 +311,7 @@
           <a:p>
             <a:fld id="{57D317FE-7955-4457-BF59-F7D4929EC424}" type="datetimeFigureOut">
               <a:rPr lang="en-US" smtClean="0"/>
-              <a:t>20-May-2012</a:t>
+              <a:t>11/10/12</a:t>
             </a:fld>
             <a:endParaRPr lang="en-US"/>
           </a:p>
@@ -476,7 +476,7 @@
           <a:p>
             <a:fld id="{57D317FE-7955-4457-BF59-F7D4929EC424}" type="datetimeFigureOut">
               <a:rPr lang="en-US" smtClean="0"/>
-              <a:t>20-May-2012</a:t>
+              <a:t>11/10/12</a:t>
             </a:fld>
             <a:endParaRPr lang="en-US"/>
           </a:p>
@@ -651,7 +651,7 @@
           <a:p>
             <a:fld id="{57D317FE-7955-4457-BF59-F7D4929EC424}" type="datetimeFigureOut">
               <a:rPr lang="en-US" smtClean="0"/>
-              <a:t>20-May-2012</a:t>
+              <a:t>11/10/12</a:t>
             </a:fld>
             <a:endParaRPr lang="en-US"/>
           </a:p>
@@ -816,7 +816,7 @@
           <a:p>
             <a:fld id="{57D317FE-7955-4457-BF59-F7D4929EC424}" type="datetimeFigureOut">
               <a:rPr lang="en-US" smtClean="0"/>
-              <a:t>20-May-2012</a:t>
+              <a:t>11/10/12</a:t>
             </a:fld>
             <a:endParaRPr lang="en-US"/>
           </a:p>
@@ -1057,7 +1057,7 @@
           <a:p>
             <a:fld id="{57D317FE-7955-4457-BF59-F7D4929EC424}" type="datetimeFigureOut">
               <a:rPr lang="en-US" smtClean="0"/>
-              <a:t>20-May-2012</a:t>
+              <a:t>11/10/12</a:t>
             </a:fld>
             <a:endParaRPr lang="en-US"/>
           </a:p>
@@ -1340,7 +1340,7 @@
           <a:p>
             <a:fld id="{57D317FE-7955-4457-BF59-F7D4929EC424}" type="datetimeFigureOut">
               <a:rPr lang="en-US" smtClean="0"/>
-              <a:t>20-May-2012</a:t>
+              <a:t>11/10/12</a:t>
             </a:fld>
             <a:endParaRPr lang="en-US"/>
           </a:p>
@@ -1757,7 +1757,7 @@
           <a:p>
             <a:fld id="{57D317FE-7955-4457-BF59-F7D4929EC424}" type="datetimeFigureOut">
               <a:rPr lang="en-US" smtClean="0"/>
-              <a:t>20-May-2012</a:t>
+              <a:t>11/10/12</a:t>
             </a:fld>
             <a:endParaRPr lang="en-US"/>
           </a:p>
@@ -1870,7 +1870,7 @@
           <a:p>
             <a:fld id="{57D317FE-7955-4457-BF59-F7D4929EC424}" type="datetimeFigureOut">
               <a:rPr lang="en-US" smtClean="0"/>
-              <a:t>20-May-2012</a:t>
+              <a:t>11/10/12</a:t>
             </a:fld>
             <a:endParaRPr lang="en-US"/>
           </a:p>
@@ -1960,7 +1960,7 @@
           <a:p>
             <a:fld id="{57D317FE-7955-4457-BF59-F7D4929EC424}" type="datetimeFigureOut">
               <a:rPr lang="en-US" smtClean="0"/>
-              <a:t>20-May-2012</a:t>
+              <a:t>11/10/12</a:t>
             </a:fld>
             <a:endParaRPr lang="en-US"/>
           </a:p>
@@ -2232,7 +2232,7 @@
           <a:p>
             <a:fld id="{57D317FE-7955-4457-BF59-F7D4929EC424}" type="datetimeFigureOut">
               <a:rPr lang="en-US" smtClean="0"/>
-              <a:t>20-May-2012</a:t>
+              <a:t>11/10/12</a:t>
             </a:fld>
             <a:endParaRPr lang="en-US"/>
           </a:p>
@@ -2480,7 +2480,7 @@
           <a:p>
             <a:fld id="{57D317FE-7955-4457-BF59-F7D4929EC424}" type="datetimeFigureOut">
               <a:rPr lang="en-US" smtClean="0"/>
-              <a:t>20-May-2012</a:t>
+              <a:t>11/10/12</a:t>
             </a:fld>
             <a:endParaRPr lang="en-US"/>
           </a:p>
@@ -2688,7 +2688,7 @@
           <a:p>
             <a:fld id="{57D317FE-7955-4457-BF59-F7D4929EC424}" type="datetimeFigureOut">
               <a:rPr lang="en-US" smtClean="0"/>
-              <a:t>20-May-2012</a:t>
+              <a:t>11/10/12</a:t>
             </a:fld>
             <a:endParaRPr lang="en-US"/>
           </a:p>
@@ -3075,7 +3075,7 @@
           <a:p>
             <a:r>
               <a:rPr lang="fr-FR" dirty="0" smtClean="0"/>
-              <a:t>An introduction to HTML</a:t>
+              <a:t>HTML for D3</a:t>
             </a:r>
             <a:endParaRPr lang="en-US" dirty="0"/>
           </a:p>
@@ -3112,7 +3112,7 @@
   <p:timing>
     <p:tnLst>
       <p:par>
-        <p:cTn id="1" dur="indefinite" restart="never" nodeType="tmRoot"/>
+        <p:cTn xmlns:p14="http://schemas.microsoft.com/office/powerpoint/2010/main" id="1" dur="indefinite" restart="never" nodeType="tmRoot"/>
       </p:par>
     </p:tnLst>
   </p:timing>
@@ -4486,7 +4486,7 @@
   <p:timing>
     <p:tnLst>
       <p:par>
-        <p:cTn id="1" dur="indefinite" restart="never" nodeType="tmRoot">
+        <p:cTn xmlns:p14="http://schemas.microsoft.com/office/powerpoint/2010/main" id="1" dur="indefinite" restart="never" nodeType="tmRoot">
           <p:childTnLst>
             <p:seq concurrent="1" nextAc="seek">
               <p:cTn id="2" dur="indefinite" nodeType="mainSeq">
@@ -5740,7 +5740,7 @@
   <p:timing>
     <p:tnLst>
       <p:par>
-        <p:cTn id="1" dur="indefinite" restart="never" nodeType="tmRoot"/>
+        <p:cTn xmlns:p14="http://schemas.microsoft.com/office/powerpoint/2010/main" id="1" dur="indefinite" restart="never" nodeType="tmRoot"/>
       </p:par>
     </p:tnLst>
   </p:timing>
@@ -5923,7 +5923,7 @@
   <p:timing>
     <p:tnLst>
       <p:par>
-        <p:cTn id="1" dur="indefinite" restart="never" nodeType="tmRoot"/>
+        <p:cTn xmlns:p14="http://schemas.microsoft.com/office/powerpoint/2010/main" id="1" dur="indefinite" restart="never" nodeType="tmRoot"/>
       </p:par>
     </p:tnLst>
   </p:timing>
@@ -6079,7 +6079,7 @@
   <p:timing>
     <p:tnLst>
       <p:par>
-        <p:cTn id="1" dur="indefinite" restart="never" nodeType="tmRoot"/>
+        <p:cTn xmlns:p14="http://schemas.microsoft.com/office/powerpoint/2010/main" id="1" dur="indefinite" restart="never" nodeType="tmRoot"/>
       </p:par>
     </p:tnLst>
   </p:timing>
@@ -6396,7 +6396,7 @@
   <p:timing>
     <p:tnLst>
       <p:par>
-        <p:cTn id="1" dur="indefinite" restart="never" nodeType="tmRoot"/>
+        <p:cTn xmlns:p14="http://schemas.microsoft.com/office/powerpoint/2010/main" id="1" dur="indefinite" restart="never" nodeType="tmRoot"/>
       </p:par>
     </p:tnLst>
   </p:timing>
@@ -6690,7 +6690,7 @@
   <p:timing>
     <p:tnLst>
       <p:par>
-        <p:cTn id="1" dur="indefinite" restart="never" nodeType="tmRoot"/>
+        <p:cTn xmlns:p14="http://schemas.microsoft.com/office/powerpoint/2010/main" id="1" dur="indefinite" restart="never" nodeType="tmRoot"/>
       </p:par>
     </p:tnLst>
   </p:timing>
@@ -7106,7 +7106,7 @@
   <p:timing>
     <p:tnLst>
       <p:par>
-        <p:cTn id="1" dur="indefinite" restart="never" nodeType="tmRoot"/>
+        <p:cTn xmlns:p14="http://schemas.microsoft.com/office/powerpoint/2010/main" id="1" dur="indefinite" restart="never" nodeType="tmRoot"/>
       </p:par>
     </p:tnLst>
   </p:timing>
@@ -7413,7 +7413,7 @@
   <p:timing>
     <p:tnLst>
       <p:par>
-        <p:cTn id="1" dur="indefinite" restart="never" nodeType="tmRoot"/>
+        <p:cTn xmlns:p14="http://schemas.microsoft.com/office/powerpoint/2010/main" id="1" dur="indefinite" restart="never" nodeType="tmRoot"/>
       </p:par>
     </p:tnLst>
   </p:timing>
@@ -7663,7 +7663,7 @@
   <p:timing>
     <p:tnLst>
       <p:par>
-        <p:cTn id="1" dur="indefinite" restart="never" nodeType="tmRoot"/>
+        <p:cTn xmlns:p14="http://schemas.microsoft.com/office/powerpoint/2010/main" id="1" dur="indefinite" restart="never" nodeType="tmRoot"/>
       </p:par>
     </p:tnLst>
   </p:timing>
@@ -7985,7 +7985,7 @@
   <p:timing>
     <p:tnLst>
       <p:par>
-        <p:cTn id="1" dur="indefinite" restart="never" nodeType="tmRoot"/>
+        <p:cTn xmlns:p14="http://schemas.microsoft.com/office/powerpoint/2010/main" id="1" dur="indefinite" restart="never" nodeType="tmRoot"/>
       </p:par>
     </p:tnLst>
   </p:timing>
@@ -8113,7 +8113,7 @@
   <p:timing>
     <p:tnLst>
       <p:par>
-        <p:cTn id="1" dur="indefinite" restart="never" nodeType="tmRoot"/>
+        <p:cTn xmlns:p14="http://schemas.microsoft.com/office/powerpoint/2010/main" id="1" dur="indefinite" restart="never" nodeType="tmRoot"/>
       </p:par>
     </p:tnLst>
   </p:timing>
@@ -8475,7 +8475,7 @@
   <p:timing>
     <p:tnLst>
       <p:par>
-        <p:cTn id="1" dur="indefinite" restart="never" nodeType="tmRoot"/>
+        <p:cTn xmlns:p14="http://schemas.microsoft.com/office/powerpoint/2010/main" id="1" dur="indefinite" restart="never" nodeType="tmRoot"/>
       </p:par>
     </p:tnLst>
   </p:timing>
@@ -8772,7 +8772,7 @@
   <p:timing>
     <p:tnLst>
       <p:par>
-        <p:cTn id="1" dur="indefinite" restart="never" nodeType="tmRoot"/>
+        <p:cTn xmlns:p14="http://schemas.microsoft.com/office/powerpoint/2010/main" id="1" dur="indefinite" restart="never" nodeType="tmRoot"/>
       </p:par>
     </p:tnLst>
   </p:timing>
@@ -9140,7 +9140,7 @@
   <p:timing>
     <p:tnLst>
       <p:par>
-        <p:cTn id="1" dur="indefinite" restart="never" nodeType="tmRoot"/>
+        <p:cTn xmlns:p14="http://schemas.microsoft.com/office/powerpoint/2010/main" id="1" dur="indefinite" restart="never" nodeType="tmRoot"/>
       </p:par>
     </p:tnLst>
   </p:timing>
@@ -9487,7 +9487,7 @@
   <p:timing>
     <p:tnLst>
       <p:par>
-        <p:cTn id="1" dur="indefinite" restart="never" nodeType="tmRoot"/>
+        <p:cTn xmlns:p14="http://schemas.microsoft.com/office/powerpoint/2010/main" id="1" dur="indefinite" restart="never" nodeType="tmRoot"/>
       </p:par>
     </p:tnLst>
   </p:timing>
@@ -9940,7 +9940,7 @@
   <p:timing>
     <p:tnLst>
       <p:par>
-        <p:cTn id="1" dur="indefinite" restart="never" nodeType="tmRoot">
+        <p:cTn xmlns:p14="http://schemas.microsoft.com/office/powerpoint/2010/main" id="1" dur="indefinite" restart="never" nodeType="tmRoot">
           <p:childTnLst>
             <p:seq concurrent="1" nextAc="seek">
               <p:cTn id="2" dur="indefinite" nodeType="mainSeq">
@@ -10121,7 +10121,7 @@
   <p:timing>
     <p:tnLst>
       <p:par>
-        <p:cTn id="1" dur="indefinite" restart="never" nodeType="tmRoot"/>
+        <p:cTn xmlns:p14="http://schemas.microsoft.com/office/powerpoint/2010/main" id="1" dur="indefinite" restart="never" nodeType="tmRoot"/>
       </p:par>
     </p:tnLst>
   </p:timing>
@@ -10436,7 +10436,7 @@
   <p:timing>
     <p:tnLst>
       <p:par>
-        <p:cTn id="1" dur="indefinite" restart="never" nodeType="tmRoot">
+        <p:cTn xmlns:p14="http://schemas.microsoft.com/office/powerpoint/2010/main" id="1" dur="indefinite" restart="never" nodeType="tmRoot">
           <p:childTnLst>
             <p:seq concurrent="1" nextAc="seek">
               <p:cTn id="2" dur="indefinite" nodeType="mainSeq">
@@ -10891,7 +10891,7 @@
   <p:timing>
     <p:tnLst>
       <p:par>
-        <p:cTn id="1" dur="indefinite" restart="never" nodeType="tmRoot">
+        <p:cTn xmlns:p14="http://schemas.microsoft.com/office/powerpoint/2010/main" id="1" dur="indefinite" restart="never" nodeType="tmRoot">
           <p:childTnLst>
             <p:seq concurrent="1" nextAc="seek">
               <p:cTn id="2" dur="indefinite" nodeType="mainSeq">
@@ -11322,7 +11322,7 @@
   <p:timing>
     <p:tnLst>
       <p:par>
-        <p:cTn id="1" dur="indefinite" restart="never" nodeType="tmRoot"/>
+        <p:cTn xmlns:p14="http://schemas.microsoft.com/office/powerpoint/2010/main" id="1" dur="indefinite" restart="never" nodeType="tmRoot"/>
       </p:par>
     </p:tnLst>
   </p:timing>
@@ -12418,7 +12418,7 @@
   <p:timing>
     <p:tnLst>
       <p:par>
-        <p:cTn id="1" dur="indefinite" restart="never" nodeType="tmRoot"/>
+        <p:cTn xmlns:p14="http://schemas.microsoft.com/office/powerpoint/2010/main" id="1" dur="indefinite" restart="never" nodeType="tmRoot"/>
       </p:par>
     </p:tnLst>
   </p:timing>
@@ -13612,7 +13612,7 @@
   <p:timing>
     <p:tnLst>
       <p:par>
-        <p:cTn id="1" dur="indefinite" restart="never" nodeType="tmRoot">
+        <p:cTn xmlns:p14="http://schemas.microsoft.com/office/powerpoint/2010/main" id="1" dur="indefinite" restart="never" nodeType="tmRoot">
           <p:childTnLst>
             <p:seq concurrent="1" nextAc="seek">
               <p:cTn id="2" dur="indefinite" nodeType="mainSeq">
@@ -14394,16 +14394,80 @@
         <a:srgbClr val="800080"/>
       </a:folHlink>
     </a:clrScheme>
-    <a:fontScheme name="Adrian alt">
+    <a:fontScheme name="BlackTie">
       <a:majorFont>
-        <a:latin typeface="Frutiger Linotype"/>
+        <a:latin typeface="Garamond"/>
         <a:ea typeface=""/>
         <a:cs typeface=""/>
+        <a:font script="Grek" typeface="Constantia"/>
+        <a:font script="Cyrl" typeface="Constantia"/>
+        <a:font script="Jpan" typeface="ＭＳ Ｐ明朝"/>
+        <a:font script="Hang" typeface="궁서"/>
+        <a:font script="Hans" typeface="仿宋"/>
+        <a:font script="Hant" typeface="標楷體"/>
+        <a:font script="Arab" typeface="Times New Roman"/>
+        <a:font script="Hebr" typeface="Times New Roman"/>
+        <a:font script="Thai" typeface="Angsana New"/>
+        <a:font script="Ethi" typeface="Nyala"/>
+        <a:font script="Beng" typeface="Vrinda"/>
+        <a:font script="Gujr" typeface="Shruti"/>
+        <a:font script="Khmr" typeface="DaunPenh"/>
+        <a:font script="Knda" typeface="Tunga"/>
+        <a:font script="Guru" typeface="Raavi"/>
+        <a:font script="Cans" typeface="Euphemia"/>
+        <a:font script="Cher" typeface="Plantagenet Cherokee"/>
+        <a:font script="Yiii" typeface="Microsoft Yi Baiti"/>
+        <a:font script="Tibt" typeface="Microsoft Himalaya"/>
+        <a:font script="Thaa" typeface="MV Boli"/>
+        <a:font script="Deva" typeface="Mangal"/>
+        <a:font script="Telu" typeface="Gautami"/>
+        <a:font script="Taml" typeface="Latha"/>
+        <a:font script="Syrc" typeface="Estrangelo Edessa"/>
+        <a:font script="Orya" typeface="Kalinga"/>
+        <a:font script="Mlym" typeface="Kartika"/>
+        <a:font script="Laoo" typeface="DokChampa"/>
+        <a:font script="Sinh" typeface="Iskoola Pota"/>
+        <a:font script="Mong" typeface="Mongolian Baiti"/>
+        <a:font script="Viet" typeface="Times New Roman"/>
+        <a:font script="Uigh" typeface="Microsoft Uighur"/>
+        <a:font script="Geor" typeface="Sylfaen"/>
       </a:majorFont>
       <a:minorFont>
         <a:latin typeface="Garamond"/>
         <a:ea typeface=""/>
         <a:cs typeface=""/>
+        <a:font script="Grek" typeface="Constantia"/>
+        <a:font script="Cyrl" typeface="Constantia"/>
+        <a:font script="Jpan" typeface="ＭＳ Ｐ明朝"/>
+        <a:font script="Hang" typeface="궁서"/>
+        <a:font script="Hans" typeface="仿宋"/>
+        <a:font script="Hant" typeface="標楷體"/>
+        <a:font script="Arab" typeface="Times New Roman"/>
+        <a:font script="Hebr" typeface="Times New Roman"/>
+        <a:font script="Thai" typeface="Angsana New"/>
+        <a:font script="Ethi" typeface="Nyala"/>
+        <a:font script="Beng" typeface="Vrinda"/>
+        <a:font script="Gujr" typeface="Shruti"/>
+        <a:font script="Khmr" typeface="DaunPenh"/>
+        <a:font script="Knda" typeface="Tunga"/>
+        <a:font script="Guru" typeface="Raavi"/>
+        <a:font script="Cans" typeface="Euphemia"/>
+        <a:font script="Cher" typeface="Plantagenet Cherokee"/>
+        <a:font script="Yiii" typeface="Microsoft Yi Baiti"/>
+        <a:font script="Tibt" typeface="Microsoft Himalaya"/>
+        <a:font script="Thaa" typeface="MV Boli"/>
+        <a:font script="Deva" typeface="Mangal"/>
+        <a:font script="Telu" typeface="Gautami"/>
+        <a:font script="Taml" typeface="Latha"/>
+        <a:font script="Syrc" typeface="Estrangelo Edessa"/>
+        <a:font script="Orya" typeface="Kalinga"/>
+        <a:font script="Mlym" typeface="Kartika"/>
+        <a:font script="Laoo" typeface="DokChampa"/>
+        <a:font script="Sinh" typeface="Iskoola Pota"/>
+        <a:font script="Mong" typeface="Mongolian Baiti"/>
+        <a:font script="Viet" typeface="Times New Roman"/>
+        <a:font script="Uigh" typeface="Microsoft Uighur"/>
+        <a:font script="Geor" typeface="Sylfaen"/>
       </a:minorFont>
     </a:fontScheme>
     <a:fmtScheme name="Office">
